--- a/Presentation/presentations/CNN -  (Max)Pooling.pptx
+++ b/Presentation/presentations/CNN -  (Max)Pooling.pptx
@@ -283,7 +283,7 @@
           <a:p>
             <a:fld id="{A1ACCE7B-D13D-465A-A7BD-1E5D062F71F0}" type="datetimeFigureOut">
               <a:rPr lang="en-IL" smtClean="0"/>
-              <a:t>23/08/2023</a:t>
+              <a:t>09/04/2023</a:t>
             </a:fld>
             <a:endParaRPr lang="en-IL"/>
           </a:p>
@@ -483,7 +483,7 @@
           <a:p>
             <a:fld id="{A1ACCE7B-D13D-465A-A7BD-1E5D062F71F0}" type="datetimeFigureOut">
               <a:rPr lang="en-IL" smtClean="0"/>
-              <a:t>23/08/2023</a:t>
+              <a:t>09/04/2023</a:t>
             </a:fld>
             <a:endParaRPr lang="en-IL"/>
           </a:p>
@@ -693,7 +693,7 @@
           <a:p>
             <a:fld id="{A1ACCE7B-D13D-465A-A7BD-1E5D062F71F0}" type="datetimeFigureOut">
               <a:rPr lang="en-IL" smtClean="0"/>
-              <a:t>23/08/2023</a:t>
+              <a:t>09/04/2023</a:t>
             </a:fld>
             <a:endParaRPr lang="en-IL"/>
           </a:p>
@@ -893,7 +893,7 @@
           <a:p>
             <a:fld id="{A1ACCE7B-D13D-465A-A7BD-1E5D062F71F0}" type="datetimeFigureOut">
               <a:rPr lang="en-IL" smtClean="0"/>
-              <a:t>23/08/2023</a:t>
+              <a:t>09/04/2023</a:t>
             </a:fld>
             <a:endParaRPr lang="en-IL"/>
           </a:p>
@@ -1169,7 +1169,7 @@
           <a:p>
             <a:fld id="{A1ACCE7B-D13D-465A-A7BD-1E5D062F71F0}" type="datetimeFigureOut">
               <a:rPr lang="en-IL" smtClean="0"/>
-              <a:t>23/08/2023</a:t>
+              <a:t>09/04/2023</a:t>
             </a:fld>
             <a:endParaRPr lang="en-IL"/>
           </a:p>
@@ -1437,7 +1437,7 @@
           <a:p>
             <a:fld id="{A1ACCE7B-D13D-465A-A7BD-1E5D062F71F0}" type="datetimeFigureOut">
               <a:rPr lang="en-IL" smtClean="0"/>
-              <a:t>23/08/2023</a:t>
+              <a:t>09/04/2023</a:t>
             </a:fld>
             <a:endParaRPr lang="en-IL"/>
           </a:p>
@@ -1852,7 +1852,7 @@
           <a:p>
             <a:fld id="{A1ACCE7B-D13D-465A-A7BD-1E5D062F71F0}" type="datetimeFigureOut">
               <a:rPr lang="en-IL" smtClean="0"/>
-              <a:t>23/08/2023</a:t>
+              <a:t>09/04/2023</a:t>
             </a:fld>
             <a:endParaRPr lang="en-IL"/>
           </a:p>
@@ -1994,7 +1994,7 @@
           <a:p>
             <a:fld id="{A1ACCE7B-D13D-465A-A7BD-1E5D062F71F0}" type="datetimeFigureOut">
               <a:rPr lang="en-IL" smtClean="0"/>
-              <a:t>23/08/2023</a:t>
+              <a:t>09/04/2023</a:t>
             </a:fld>
             <a:endParaRPr lang="en-IL"/>
           </a:p>
@@ -2107,7 +2107,7 @@
           <a:p>
             <a:fld id="{A1ACCE7B-D13D-465A-A7BD-1E5D062F71F0}" type="datetimeFigureOut">
               <a:rPr lang="en-IL" smtClean="0"/>
-              <a:t>23/08/2023</a:t>
+              <a:t>09/04/2023</a:t>
             </a:fld>
             <a:endParaRPr lang="en-IL"/>
           </a:p>
@@ -2420,7 +2420,7 @@
           <a:p>
             <a:fld id="{A1ACCE7B-D13D-465A-A7BD-1E5D062F71F0}" type="datetimeFigureOut">
               <a:rPr lang="en-IL" smtClean="0"/>
-              <a:t>23/08/2023</a:t>
+              <a:t>09/04/2023</a:t>
             </a:fld>
             <a:endParaRPr lang="en-IL"/>
           </a:p>
@@ -2709,7 +2709,7 @@
           <a:p>
             <a:fld id="{A1ACCE7B-D13D-465A-A7BD-1E5D062F71F0}" type="datetimeFigureOut">
               <a:rPr lang="en-IL" smtClean="0"/>
-              <a:t>23/08/2023</a:t>
+              <a:t>09/04/2023</a:t>
             </a:fld>
             <a:endParaRPr lang="en-IL"/>
           </a:p>
@@ -2952,7 +2952,7 @@
           <a:p>
             <a:fld id="{A1ACCE7B-D13D-465A-A7BD-1E5D062F71F0}" type="datetimeFigureOut">
               <a:rPr lang="en-IL" smtClean="0"/>
-              <a:t>23/08/2023</a:t>
+              <a:t>09/04/2023</a:t>
             </a:fld>
             <a:endParaRPr lang="en-IL"/>
           </a:p>
